--- a/lectures/MSBA F2021 Session 1 August 26 Analytics for Unstructured Data.pptx
+++ b/lectures/MSBA F2021 Session 1 August 26 Analytics for Unstructured Data.pptx
@@ -7278,7 +7278,14 @@
           <a:lstStyle/>
           <a:p>
             <a:pPr algn="ctr"/>
-            <a:endParaRPr lang="en-US" dirty="0"/>
+            <a:r>
+              <a:rPr lang="en-US" dirty="0">
+                <a:solidFill>
+                  <a:srgbClr val="FF0000"/>
+                </a:solidFill>
+              </a:rPr>
+              <a:t>Volume</a:t>
+            </a:r>
           </a:p>
         </p:txBody>
       </p:sp>
@@ -7326,7 +7333,14 @@
           <a:lstStyle/>
           <a:p>
             <a:pPr algn="ctr"/>
-            <a:endParaRPr lang="en-US" dirty="0"/>
+            <a:r>
+              <a:rPr lang="en-US" dirty="0">
+                <a:solidFill>
+                  <a:srgbClr val="FF0000"/>
+                </a:solidFill>
+              </a:rPr>
+              <a:t>Velocity</a:t>
+            </a:r>
           </a:p>
         </p:txBody>
       </p:sp>
@@ -7374,7 +7388,14 @@
           <a:lstStyle/>
           <a:p>
             <a:pPr algn="ctr"/>
-            <a:endParaRPr lang="en-US" dirty="0"/>
+            <a:r>
+              <a:rPr lang="en-US" dirty="0">
+                <a:solidFill>
+                  <a:srgbClr val="FF0000"/>
+                </a:solidFill>
+              </a:rPr>
+              <a:t>Variety</a:t>
+            </a:r>
           </a:p>
         </p:txBody>
       </p:sp>
@@ -7422,7 +7443,19 @@
           <a:lstStyle/>
           <a:p>
             <a:pPr algn="ctr"/>
-            <a:endParaRPr lang="en-US" dirty="0"/>
+            <a:r>
+              <a:rPr lang="en-US">
+                <a:solidFill>
+                  <a:srgbClr val="FF0000"/>
+                </a:solidFill>
+              </a:rPr>
+              <a:t>Veracity</a:t>
+            </a:r>
+            <a:endParaRPr lang="en-US" dirty="0">
+              <a:solidFill>
+                <a:srgbClr val="FF0000"/>
+              </a:solidFill>
+            </a:endParaRPr>
           </a:p>
         </p:txBody>
       </p:sp>

--- a/lectures/MSBA F2021 Session 1 August 26 Analytics for Unstructured Data.pptx
+++ b/lectures/MSBA F2021 Session 1 August 26 Analytics for Unstructured Data.pptx
@@ -988,7 +988,10 @@
           <a:bodyPr/>
           <a:lstStyle/>
           <a:p>
-            <a:endParaRPr lang="en-US" dirty="0"/>
+            <a:r>
+              <a:rPr lang="en-US" dirty="0"/>
+              <a:t>Lookalike: Someone who resembles (characteristics/features) an existing customer but isn’t a customer currently. POTENTIAL CUSTOMER</a:t>
+            </a:r>
           </a:p>
         </p:txBody>
       </p:sp>
@@ -7444,18 +7447,13 @@
           <a:p>
             <a:pPr algn="ctr"/>
             <a:r>
-              <a:rPr lang="en-US">
+              <a:rPr lang="en-US" dirty="0">
                 <a:solidFill>
                   <a:srgbClr val="FF0000"/>
                 </a:solidFill>
               </a:rPr>
               <a:t>Veracity</a:t>
             </a:r>
-            <a:endParaRPr lang="en-US" dirty="0">
-              <a:solidFill>
-                <a:srgbClr val="FF0000"/>
-              </a:solidFill>
-            </a:endParaRPr>
           </a:p>
         </p:txBody>
       </p:sp>
@@ -12585,14 +12583,14 @@
           <p:nvPr>
             <p:extLst>
               <p:ext uri="{D42A27DB-BD31-4B8C-83A1-F6EECF244321}">
-                <p14:modId xmlns:p14="http://schemas.microsoft.com/office/powerpoint/2010/main" val="2510127479"/>
+                <p14:modId xmlns:p14="http://schemas.microsoft.com/office/powerpoint/2010/main" val="2424291423"/>
               </p:ext>
             </p:extLst>
           </p:nvPr>
         </p:nvGraphicFramePr>
         <p:xfrm>
           <a:off x="457200" y="1905000"/>
-          <a:ext cx="7620000" cy="1844040"/>
+          <a:ext cx="7620000" cy="2118360"/>
         </p:xfrm>
         <a:graphic>
           <a:graphicData uri="http://schemas.openxmlformats.org/drawingml/2006/table">
@@ -12675,7 +12673,10 @@
                     <a:bodyPr/>
                     <a:lstStyle/>
                     <a:p>
-                      <a:endParaRPr lang="en-US" dirty="0"/>
+                      <a:r>
+                        <a:rPr lang="en-US" dirty="0"/>
+                        <a:t>Variability</a:t>
+                      </a:r>
                     </a:p>
                   </a:txBody>
                   <a:tcPr/>
@@ -12685,7 +12686,10 @@
                     <a:bodyPr/>
                     <a:lstStyle/>
                     <a:p>
-                      <a:endParaRPr lang="en-US" dirty="0"/>
+                      <a:r>
+                        <a:rPr lang="en-US" dirty="0"/>
+                        <a:t>Stratification</a:t>
+                      </a:r>
                     </a:p>
                   </a:txBody>
                   <a:tcPr/>
@@ -12712,7 +12716,10 @@
                     <a:bodyPr/>
                     <a:lstStyle/>
                     <a:p>
-                      <a:endParaRPr lang="en-US" dirty="0"/>
+                      <a:r>
+                        <a:rPr lang="en-US" dirty="0"/>
+                        <a:t>More Relevant &amp; Genuine</a:t>
+                      </a:r>
                     </a:p>
                   </a:txBody>
                   <a:tcPr/>
@@ -12749,6 +12756,14 @@
                     <a:bodyPr/>
                     <a:lstStyle/>
                     <a:p>
+                      <a:r>
+                        <a:rPr lang="en-US" dirty="0"/>
+                        <a:t>Mitigates </a:t>
+                      </a:r>
+                      <a:r>
+                        <a:rPr lang="en-US"/>
+                        <a:t>Shy-Trump-Voter Syndrome</a:t>
+                      </a:r>
                       <a:endParaRPr lang="en-US" dirty="0"/>
                     </a:p>
                   </a:txBody>
